--- a/Documents/System Diagram.pptx
+++ b/Documents/System Diagram.pptx
@@ -6,6 +6,7 @@
   </p:sldMasterIdLst>
   <p:sldIdLst>
     <p:sldId id="256" r:id="rId2"/>
+    <p:sldId id="257" r:id="rId3"/>
   </p:sldIdLst>
   <p:sldSz cx="12192000" cy="6858000"/>
   <p:notesSz cx="6858000" cy="9144000"/>
@@ -243,7 +244,7 @@
           <a:p>
             <a:fld id="{DFF8EBFE-3AE3-4711-805A-643FE55A5E7F}" type="datetimeFigureOut">
               <a:rPr lang="es-MX" smtClean="0"/>
-              <a:t>13/05/2017</a:t>
+              <a:t>14/05/2017</a:t>
             </a:fld>
             <a:endParaRPr lang="es-MX"/>
           </a:p>
@@ -413,7 +414,7 @@
           <a:p>
             <a:fld id="{DFF8EBFE-3AE3-4711-805A-643FE55A5E7F}" type="datetimeFigureOut">
               <a:rPr lang="es-MX" smtClean="0"/>
-              <a:t>13/05/2017</a:t>
+              <a:t>14/05/2017</a:t>
             </a:fld>
             <a:endParaRPr lang="es-MX"/>
           </a:p>
@@ -593,7 +594,7 @@
           <a:p>
             <a:fld id="{DFF8EBFE-3AE3-4711-805A-643FE55A5E7F}" type="datetimeFigureOut">
               <a:rPr lang="es-MX" smtClean="0"/>
-              <a:t>13/05/2017</a:t>
+              <a:t>14/05/2017</a:t>
             </a:fld>
             <a:endParaRPr lang="es-MX"/>
           </a:p>
@@ -763,7 +764,7 @@
           <a:p>
             <a:fld id="{DFF8EBFE-3AE3-4711-805A-643FE55A5E7F}" type="datetimeFigureOut">
               <a:rPr lang="es-MX" smtClean="0"/>
-              <a:t>13/05/2017</a:t>
+              <a:t>14/05/2017</a:t>
             </a:fld>
             <a:endParaRPr lang="es-MX"/>
           </a:p>
@@ -1009,7 +1010,7 @@
           <a:p>
             <a:fld id="{DFF8EBFE-3AE3-4711-805A-643FE55A5E7F}" type="datetimeFigureOut">
               <a:rPr lang="es-MX" smtClean="0"/>
-              <a:t>13/05/2017</a:t>
+              <a:t>14/05/2017</a:t>
             </a:fld>
             <a:endParaRPr lang="es-MX"/>
           </a:p>
@@ -1241,7 +1242,7 @@
           <a:p>
             <a:fld id="{DFF8EBFE-3AE3-4711-805A-643FE55A5E7F}" type="datetimeFigureOut">
               <a:rPr lang="es-MX" smtClean="0"/>
-              <a:t>13/05/2017</a:t>
+              <a:t>14/05/2017</a:t>
             </a:fld>
             <a:endParaRPr lang="es-MX"/>
           </a:p>
@@ -1608,7 +1609,7 @@
           <a:p>
             <a:fld id="{DFF8EBFE-3AE3-4711-805A-643FE55A5E7F}" type="datetimeFigureOut">
               <a:rPr lang="es-MX" smtClean="0"/>
-              <a:t>13/05/2017</a:t>
+              <a:t>14/05/2017</a:t>
             </a:fld>
             <a:endParaRPr lang="es-MX"/>
           </a:p>
@@ -1726,7 +1727,7 @@
           <a:p>
             <a:fld id="{DFF8EBFE-3AE3-4711-805A-643FE55A5E7F}" type="datetimeFigureOut">
               <a:rPr lang="es-MX" smtClean="0"/>
-              <a:t>13/05/2017</a:t>
+              <a:t>14/05/2017</a:t>
             </a:fld>
             <a:endParaRPr lang="es-MX"/>
           </a:p>
@@ -1821,7 +1822,7 @@
           <a:p>
             <a:fld id="{DFF8EBFE-3AE3-4711-805A-643FE55A5E7F}" type="datetimeFigureOut">
               <a:rPr lang="es-MX" smtClean="0"/>
-              <a:t>13/05/2017</a:t>
+              <a:t>14/05/2017</a:t>
             </a:fld>
             <a:endParaRPr lang="es-MX"/>
           </a:p>
@@ -2098,7 +2099,7 @@
           <a:p>
             <a:fld id="{DFF8EBFE-3AE3-4711-805A-643FE55A5E7F}" type="datetimeFigureOut">
               <a:rPr lang="es-MX" smtClean="0"/>
-              <a:t>13/05/2017</a:t>
+              <a:t>14/05/2017</a:t>
             </a:fld>
             <a:endParaRPr lang="es-MX"/>
           </a:p>
@@ -2351,7 +2352,7 @@
           <a:p>
             <a:fld id="{DFF8EBFE-3AE3-4711-805A-643FE55A5E7F}" type="datetimeFigureOut">
               <a:rPr lang="es-MX" smtClean="0"/>
-              <a:t>13/05/2017</a:t>
+              <a:t>14/05/2017</a:t>
             </a:fld>
             <a:endParaRPr lang="es-MX"/>
           </a:p>
@@ -2564,7 +2565,7 @@
           <a:p>
             <a:fld id="{DFF8EBFE-3AE3-4711-805A-643FE55A5E7F}" type="datetimeFigureOut">
               <a:rPr lang="es-MX" smtClean="0"/>
-              <a:t>13/05/2017</a:t>
+              <a:t>14/05/2017</a:t>
             </a:fld>
             <a:endParaRPr lang="es-MX"/>
           </a:p>
@@ -2971,215 +2972,1115 @@
       </p:grpSpPr>
       <p:grpSp>
         <p:nvGrpSpPr>
-          <p:cNvPr id="16" name="Group 15"/>
+          <p:cNvPr id="26" name="Group 25"/>
           <p:cNvGrpSpPr/>
           <p:nvPr/>
         </p:nvGrpSpPr>
         <p:grpSpPr>
           <a:xfrm>
-            <a:off x="1602342" y="235871"/>
-            <a:ext cx="8658221" cy="5971744"/>
-            <a:chOff x="1602342" y="235871"/>
-            <a:chExt cx="8658221" cy="5971744"/>
+            <a:off x="1248171" y="235871"/>
+            <a:ext cx="9181841" cy="5971744"/>
+            <a:chOff x="1248171" y="235871"/>
+            <a:chExt cx="9181841" cy="5971744"/>
+          </a:xfrm>
+        </p:grpSpPr>
+        <p:grpSp>
+          <p:nvGrpSpPr>
+            <p:cNvPr id="19" name="Group 18"/>
+            <p:cNvGrpSpPr/>
+            <p:nvPr/>
+          </p:nvGrpSpPr>
+          <p:grpSpPr>
+            <a:xfrm>
+              <a:off x="1248171" y="235871"/>
+              <a:ext cx="9181841" cy="5971744"/>
+              <a:chOff x="1248171" y="235871"/>
+              <a:chExt cx="9181841" cy="5971744"/>
+            </a:xfrm>
+          </p:grpSpPr>
+          <p:sp>
+            <p:nvSpPr>
+              <p:cNvPr id="5" name="Can 4"/>
+              <p:cNvSpPr/>
+              <p:nvPr/>
+            </p:nvSpPr>
+            <p:spPr>
+              <a:xfrm>
+                <a:off x="1248171" y="5254579"/>
+                <a:ext cx="978795" cy="953036"/>
+              </a:xfrm>
+              <a:prstGeom prst="can">
+                <a:avLst/>
+              </a:prstGeom>
+            </p:spPr>
+            <p:style>
+              <a:lnRef idx="2">
+                <a:schemeClr val="accent1">
+                  <a:shade val="50000"/>
+                </a:schemeClr>
+              </a:lnRef>
+              <a:fillRef idx="1">
+                <a:schemeClr val="accent1"/>
+              </a:fillRef>
+              <a:effectRef idx="0">
+                <a:schemeClr val="accent1"/>
+              </a:effectRef>
+              <a:fontRef idx="minor">
+                <a:schemeClr val="lt1"/>
+              </a:fontRef>
+            </p:style>
+            <p:txBody>
+              <a:bodyPr rtlCol="0" anchor="ctr"/>
+              <a:lstStyle/>
+              <a:p>
+                <a:pPr algn="ctr"/>
+                <a:r>
+                  <a:rPr lang="es-MX" dirty="0" err="1" smtClean="0"/>
+                  <a:t>Sqlite</a:t>
+                </a:r>
+                <a:r>
+                  <a:rPr lang="es-MX" dirty="0" smtClean="0"/>
+                  <a:t> </a:t>
+                </a:r>
+                <a:r>
+                  <a:rPr lang="es-MX" dirty="0" err="1" smtClean="0"/>
+                  <a:t>Db</a:t>
+                </a:r>
+                <a:endParaRPr lang="es-MX" dirty="0"/>
+              </a:p>
+            </p:txBody>
+          </p:sp>
+          <p:sp>
+            <p:nvSpPr>
+              <p:cNvPr id="6" name="Can 5"/>
+              <p:cNvSpPr/>
+              <p:nvPr/>
+            </p:nvSpPr>
+            <p:spPr>
+              <a:xfrm>
+                <a:off x="5517233" y="5254579"/>
+                <a:ext cx="978795" cy="953036"/>
+              </a:xfrm>
+              <a:prstGeom prst="can">
+                <a:avLst/>
+              </a:prstGeom>
+            </p:spPr>
+            <p:style>
+              <a:lnRef idx="2">
+                <a:schemeClr val="accent1">
+                  <a:shade val="50000"/>
+                </a:schemeClr>
+              </a:lnRef>
+              <a:fillRef idx="1">
+                <a:schemeClr val="accent1"/>
+              </a:fillRef>
+              <a:effectRef idx="0">
+                <a:schemeClr val="accent1"/>
+              </a:effectRef>
+              <a:fontRef idx="minor">
+                <a:schemeClr val="lt1"/>
+              </a:fontRef>
+            </p:style>
+            <p:txBody>
+              <a:bodyPr rtlCol="0" anchor="ctr"/>
+              <a:lstStyle/>
+              <a:p>
+                <a:pPr algn="ctr"/>
+                <a:r>
+                  <a:rPr lang="es-MX" dirty="0" err="1" smtClean="0"/>
+                  <a:t>MySql</a:t>
+                </a:r>
+                <a:r>
+                  <a:rPr lang="es-MX" dirty="0" smtClean="0"/>
+                  <a:t> </a:t>
+                </a:r>
+                <a:r>
+                  <a:rPr lang="es-MX" dirty="0" err="1" smtClean="0"/>
+                  <a:t>Db</a:t>
+                </a:r>
+                <a:endParaRPr lang="es-MX" dirty="0"/>
+              </a:p>
+            </p:txBody>
+          </p:sp>
+          <p:sp>
+            <p:nvSpPr>
+              <p:cNvPr id="7" name="Rectangle 6"/>
+              <p:cNvSpPr/>
+              <p:nvPr/>
+            </p:nvSpPr>
+            <p:spPr>
+              <a:xfrm>
+                <a:off x="1602342" y="2459864"/>
+                <a:ext cx="2021983" cy="2251657"/>
+              </a:xfrm>
+              <a:prstGeom prst="rect">
+                <a:avLst/>
+              </a:prstGeom>
+            </p:spPr>
+            <p:style>
+              <a:lnRef idx="2">
+                <a:schemeClr val="accent1">
+                  <a:shade val="50000"/>
+                </a:schemeClr>
+              </a:lnRef>
+              <a:fillRef idx="1">
+                <a:schemeClr val="accent1"/>
+              </a:fillRef>
+              <a:effectRef idx="0">
+                <a:schemeClr val="accent1"/>
+              </a:effectRef>
+              <a:fontRef idx="minor">
+                <a:schemeClr val="lt1"/>
+              </a:fontRef>
+            </p:style>
+            <p:txBody>
+              <a:bodyPr rtlCol="0" anchor="ctr"/>
+              <a:lstStyle/>
+              <a:p>
+                <a:pPr algn="ctr"/>
+                <a:r>
+                  <a:rPr lang="es-MX" b="1" dirty="0" smtClean="0"/>
+                  <a:t>Mobile </a:t>
+                </a:r>
+                <a:r>
+                  <a:rPr lang="es-MX" b="1" dirty="0" err="1" smtClean="0"/>
+                  <a:t>Application</a:t>
+                </a:r>
+                <a:endParaRPr lang="es-MX" b="1" dirty="0" smtClean="0"/>
+              </a:p>
+              <a:p>
+                <a:pPr algn="ctr"/>
+                <a:endParaRPr lang="es-MX" dirty="0"/>
+              </a:p>
+              <a:p>
+                <a:pPr algn="ctr"/>
+                <a:r>
+                  <a:rPr lang="es-MX" dirty="0" smtClean="0"/>
+                  <a:t>-GPS</a:t>
+                </a:r>
+              </a:p>
+              <a:p>
+                <a:pPr algn="ctr"/>
+                <a:r>
+                  <a:rPr lang="es-MX" dirty="0" smtClean="0"/>
+                  <a:t>-</a:t>
+                </a:r>
+                <a:r>
+                  <a:rPr lang="es-MX" dirty="0" err="1" smtClean="0"/>
+                  <a:t>Finger</a:t>
+                </a:r>
+                <a:r>
+                  <a:rPr lang="es-MX" dirty="0" smtClean="0"/>
+                  <a:t> </a:t>
+                </a:r>
+                <a:r>
+                  <a:rPr lang="es-MX" dirty="0" err="1" smtClean="0"/>
+                  <a:t>Print</a:t>
+                </a:r>
+                <a:r>
+                  <a:rPr lang="es-MX" dirty="0" smtClean="0"/>
+                  <a:t> API</a:t>
+                </a:r>
+                <a:endParaRPr lang="es-MX" dirty="0"/>
+              </a:p>
+            </p:txBody>
+          </p:sp>
+          <p:sp>
+            <p:nvSpPr>
+              <p:cNvPr id="8" name="Rectangle 7"/>
+              <p:cNvSpPr/>
+              <p:nvPr/>
+            </p:nvSpPr>
+            <p:spPr>
+              <a:xfrm>
+                <a:off x="4993959" y="2459863"/>
+                <a:ext cx="2021983" cy="2251658"/>
+              </a:xfrm>
+              <a:prstGeom prst="rect">
+                <a:avLst/>
+              </a:prstGeom>
+            </p:spPr>
+            <p:style>
+              <a:lnRef idx="2">
+                <a:schemeClr val="accent1">
+                  <a:shade val="50000"/>
+                </a:schemeClr>
+              </a:lnRef>
+              <a:fillRef idx="1">
+                <a:schemeClr val="accent1"/>
+              </a:fillRef>
+              <a:effectRef idx="0">
+                <a:schemeClr val="accent1"/>
+              </a:effectRef>
+              <a:fontRef idx="minor">
+                <a:schemeClr val="lt1"/>
+              </a:fontRef>
+            </p:style>
+            <p:txBody>
+              <a:bodyPr rtlCol="0" anchor="ctr"/>
+              <a:lstStyle/>
+              <a:p>
+                <a:pPr algn="ctr"/>
+                <a:r>
+                  <a:rPr lang="es-MX" dirty="0" smtClean="0"/>
+                  <a:t>Node.js</a:t>
+                </a:r>
+              </a:p>
+              <a:p>
+                <a:pPr algn="ctr"/>
+                <a:r>
+                  <a:rPr lang="es-MX" dirty="0" err="1" smtClean="0"/>
+                  <a:t>RESTful</a:t>
+                </a:r>
+                <a:r>
+                  <a:rPr lang="es-MX" dirty="0" smtClean="0"/>
+                  <a:t> API</a:t>
+                </a:r>
+              </a:p>
+              <a:p>
+                <a:pPr algn="ctr"/>
+                <a:endParaRPr lang="es-MX" dirty="0"/>
+              </a:p>
+            </p:txBody>
+          </p:sp>
+          <p:sp>
+            <p:nvSpPr>
+              <p:cNvPr id="9" name="Rectangle 8"/>
+              <p:cNvSpPr/>
+              <p:nvPr/>
+            </p:nvSpPr>
+            <p:spPr>
+              <a:xfrm>
+                <a:off x="8408029" y="2459863"/>
+                <a:ext cx="2021983" cy="2251658"/>
+              </a:xfrm>
+              <a:prstGeom prst="rect">
+                <a:avLst/>
+              </a:prstGeom>
+            </p:spPr>
+            <p:style>
+              <a:lnRef idx="2">
+                <a:schemeClr val="accent1">
+                  <a:shade val="50000"/>
+                </a:schemeClr>
+              </a:lnRef>
+              <a:fillRef idx="1">
+                <a:schemeClr val="accent1"/>
+              </a:fillRef>
+              <a:effectRef idx="0">
+                <a:schemeClr val="accent1"/>
+              </a:effectRef>
+              <a:fontRef idx="minor">
+                <a:schemeClr val="lt1"/>
+              </a:fontRef>
+            </p:style>
+            <p:txBody>
+              <a:bodyPr rtlCol="0" anchor="ctr"/>
+              <a:lstStyle/>
+              <a:p>
+                <a:pPr algn="ctr"/>
+                <a:r>
+                  <a:rPr lang="es-MX" dirty="0" smtClean="0"/>
+                  <a:t>Web </a:t>
+                </a:r>
+                <a:r>
+                  <a:rPr lang="es-MX" dirty="0" err="1" smtClean="0"/>
+                  <a:t>Application</a:t>
+                </a:r>
+                <a:endParaRPr lang="es-MX" dirty="0" smtClean="0"/>
+              </a:p>
+              <a:p>
+                <a:pPr algn="ctr"/>
+                <a:endParaRPr lang="es-MX" dirty="0"/>
+              </a:p>
+            </p:txBody>
+          </p:sp>
+          <p:cxnSp>
+            <p:nvCxnSpPr>
+              <p:cNvPr id="11" name="Straight Arrow Connector 10"/>
+              <p:cNvCxnSpPr>
+                <a:stCxn id="5" idx="1"/>
+              </p:cNvCxnSpPr>
+              <p:nvPr/>
+            </p:nvCxnSpPr>
+            <p:spPr>
+              <a:xfrm flipV="1">
+                <a:off x="1737569" y="4711521"/>
+                <a:ext cx="365387" cy="543058"/>
+              </a:xfrm>
+              <a:prstGeom prst="straightConnector1">
+                <a:avLst/>
+              </a:prstGeom>
+              <a:ln>
+                <a:headEnd type="triangle"/>
+                <a:tailEnd type="triangle"/>
+              </a:ln>
+            </p:spPr>
+            <p:style>
+              <a:lnRef idx="1">
+                <a:schemeClr val="accent1"/>
+              </a:lnRef>
+              <a:fillRef idx="0">
+                <a:schemeClr val="accent1"/>
+              </a:fillRef>
+              <a:effectRef idx="0">
+                <a:schemeClr val="accent1"/>
+              </a:effectRef>
+              <a:fontRef idx="minor">
+                <a:schemeClr val="tx1"/>
+              </a:fontRef>
+            </p:style>
+          </p:cxnSp>
+          <p:cxnSp>
+            <p:nvCxnSpPr>
+              <p:cNvPr id="15" name="Straight Arrow Connector 14"/>
+              <p:cNvCxnSpPr>
+                <a:stCxn id="8" idx="3"/>
+                <a:endCxn id="9" idx="1"/>
+              </p:cNvCxnSpPr>
+              <p:nvPr/>
+            </p:nvCxnSpPr>
+            <p:spPr>
+              <a:xfrm>
+                <a:off x="7015942" y="3585692"/>
+                <a:ext cx="1392087" cy="0"/>
+              </a:xfrm>
+              <a:prstGeom prst="straightConnector1">
+                <a:avLst/>
+              </a:prstGeom>
+              <a:ln>
+                <a:headEnd type="triangle"/>
+                <a:tailEnd type="triangle"/>
+              </a:ln>
+            </p:spPr>
+            <p:style>
+              <a:lnRef idx="1">
+                <a:schemeClr val="accent1"/>
+              </a:lnRef>
+              <a:fillRef idx="0">
+                <a:schemeClr val="accent1"/>
+              </a:fillRef>
+              <a:effectRef idx="0">
+                <a:schemeClr val="accent1"/>
+              </a:effectRef>
+              <a:fontRef idx="minor">
+                <a:schemeClr val="tx1"/>
+              </a:fontRef>
+            </p:style>
+          </p:cxnSp>
+          <p:cxnSp>
+            <p:nvCxnSpPr>
+              <p:cNvPr id="18" name="Straight Arrow Connector 17"/>
+              <p:cNvCxnSpPr>
+                <a:stCxn id="6" idx="1"/>
+                <a:endCxn id="8" idx="2"/>
+              </p:cNvCxnSpPr>
+              <p:nvPr/>
+            </p:nvCxnSpPr>
+            <p:spPr>
+              <a:xfrm flipH="1" flipV="1">
+                <a:off x="6004951" y="4711521"/>
+                <a:ext cx="1680" cy="543058"/>
+              </a:xfrm>
+              <a:prstGeom prst="straightConnector1">
+                <a:avLst/>
+              </a:prstGeom>
+              <a:ln>
+                <a:headEnd type="triangle"/>
+                <a:tailEnd type="triangle"/>
+              </a:ln>
+            </p:spPr>
+            <p:style>
+              <a:lnRef idx="1">
+                <a:schemeClr val="accent1"/>
+              </a:lnRef>
+              <a:fillRef idx="0">
+                <a:schemeClr val="accent1"/>
+              </a:fillRef>
+              <a:effectRef idx="0">
+                <a:schemeClr val="accent1"/>
+              </a:effectRef>
+              <a:fontRef idx="minor">
+                <a:schemeClr val="tx1"/>
+              </a:fontRef>
+            </p:style>
+          </p:cxnSp>
+          <p:cxnSp>
+            <p:nvCxnSpPr>
+              <p:cNvPr id="20" name="Straight Arrow Connector 19"/>
+              <p:cNvCxnSpPr>
+                <a:stCxn id="7" idx="3"/>
+                <a:endCxn id="8" idx="1"/>
+              </p:cNvCxnSpPr>
+              <p:nvPr/>
+            </p:nvCxnSpPr>
+            <p:spPr>
+              <a:xfrm flipV="1">
+                <a:off x="3624325" y="3585692"/>
+                <a:ext cx="1369634" cy="1"/>
+              </a:xfrm>
+              <a:prstGeom prst="straightConnector1">
+                <a:avLst/>
+              </a:prstGeom>
+              <a:ln>
+                <a:headEnd type="triangle"/>
+                <a:tailEnd type="triangle"/>
+              </a:ln>
+            </p:spPr>
+            <p:style>
+              <a:lnRef idx="1">
+                <a:schemeClr val="accent1"/>
+              </a:lnRef>
+              <a:fillRef idx="0">
+                <a:schemeClr val="accent1"/>
+              </a:fillRef>
+              <a:effectRef idx="0">
+                <a:schemeClr val="accent1"/>
+              </a:effectRef>
+              <a:fontRef idx="minor">
+                <a:schemeClr val="tx1"/>
+              </a:fontRef>
+            </p:style>
+          </p:cxnSp>
+          <p:sp>
+            <p:nvSpPr>
+              <p:cNvPr id="21" name="TextBox 20"/>
+              <p:cNvSpPr txBox="1"/>
+              <p:nvPr/>
+            </p:nvSpPr>
+            <p:spPr>
+              <a:xfrm>
+                <a:off x="3575242" y="3162167"/>
+                <a:ext cx="1468672" cy="430887"/>
+              </a:xfrm>
+              <a:prstGeom prst="rect">
+                <a:avLst/>
+              </a:prstGeom>
+              <a:noFill/>
+            </p:spPr>
+            <p:txBody>
+              <a:bodyPr wrap="none" rtlCol="0">
+                <a:spAutoFit/>
+              </a:bodyPr>
+              <a:lstStyle/>
+              <a:p>
+                <a:pPr algn="ctr"/>
+                <a:r>
+                  <a:rPr lang="es-MX" sz="1100" dirty="0" smtClean="0"/>
+                  <a:t>HTTP </a:t>
+                </a:r>
+                <a:endParaRPr lang="es-MX" sz="1100" dirty="0" smtClean="0"/>
+              </a:p>
+              <a:p>
+                <a:pPr algn="ctr"/>
+                <a:r>
+                  <a:rPr lang="es-MX" sz="1100" dirty="0" smtClean="0"/>
+                  <a:t>POST,GET,PUT,DELETE</a:t>
+                </a:r>
+                <a:endParaRPr lang="es-MX" sz="1100" dirty="0"/>
+              </a:p>
+            </p:txBody>
+          </p:sp>
+          <p:grpSp>
+            <p:nvGrpSpPr>
+              <p:cNvPr id="52" name="Group 51"/>
+              <p:cNvGrpSpPr/>
+              <p:nvPr/>
+            </p:nvGrpSpPr>
+            <p:grpSpPr>
+              <a:xfrm>
+                <a:off x="2489674" y="303944"/>
+                <a:ext cx="1131191" cy="987518"/>
+                <a:chOff x="7157431" y="229049"/>
+                <a:chExt cx="1131191" cy="987518"/>
+              </a:xfrm>
+            </p:grpSpPr>
+            <p:sp>
+              <p:nvSpPr>
+                <p:cNvPr id="33" name="Cloud 32"/>
+                <p:cNvSpPr/>
+                <p:nvPr/>
+              </p:nvSpPr>
+              <p:spPr>
+                <a:xfrm>
+                  <a:off x="7157431" y="229049"/>
+                  <a:ext cx="1131191" cy="987518"/>
+                </a:xfrm>
+                <a:prstGeom prst="cloud">
+                  <a:avLst/>
+                </a:prstGeom>
+                <a:noFill/>
+              </p:spPr>
+              <p:style>
+                <a:lnRef idx="2">
+                  <a:schemeClr val="accent1">
+                    <a:shade val="50000"/>
+                  </a:schemeClr>
+                </a:lnRef>
+                <a:fillRef idx="1">
+                  <a:schemeClr val="accent1"/>
+                </a:fillRef>
+                <a:effectRef idx="0">
+                  <a:schemeClr val="accent1"/>
+                </a:effectRef>
+                <a:fontRef idx="minor">
+                  <a:schemeClr val="lt1"/>
+                </a:fontRef>
+              </p:style>
+              <p:txBody>
+                <a:bodyPr rtlCol="0" anchor="ctr"/>
+                <a:lstStyle/>
+                <a:p>
+                  <a:pPr algn="ctr"/>
+                  <a:endParaRPr lang="es-MX"/>
+                </a:p>
+              </p:txBody>
+            </p:sp>
+            <p:sp>
+              <p:nvSpPr>
+                <p:cNvPr id="31" name="TextBox 30"/>
+                <p:cNvSpPr txBox="1"/>
+                <p:nvPr/>
+              </p:nvSpPr>
+              <p:spPr>
+                <a:xfrm>
+                  <a:off x="7397260" y="344668"/>
+                  <a:ext cx="609013" cy="646331"/>
+                </a:xfrm>
+                <a:prstGeom prst="rect">
+                  <a:avLst/>
+                </a:prstGeom>
+                <a:noFill/>
+              </p:spPr>
+              <p:txBody>
+                <a:bodyPr wrap="none" rtlCol="0">
+                  <a:spAutoFit/>
+                </a:bodyPr>
+                <a:lstStyle/>
+                <a:p>
+                  <a:r>
+                    <a:rPr lang="es-MX" dirty="0" smtClean="0"/>
+                    <a:t>FCM</a:t>
+                  </a:r>
+                </a:p>
+                <a:p>
+                  <a:r>
+                    <a:rPr lang="es-MX" dirty="0" smtClean="0"/>
+                    <a:t>APN</a:t>
+                  </a:r>
+                  <a:endParaRPr lang="es-MX" dirty="0"/>
+                </a:p>
+              </p:txBody>
+            </p:sp>
+          </p:grpSp>
+          <p:grpSp>
+            <p:nvGrpSpPr>
+              <p:cNvPr id="53" name="Group 52"/>
+              <p:cNvGrpSpPr/>
+              <p:nvPr/>
+            </p:nvGrpSpPr>
+            <p:grpSpPr>
+              <a:xfrm>
+                <a:off x="6004950" y="235871"/>
+                <a:ext cx="2292976" cy="1237171"/>
+                <a:chOff x="2120884" y="188522"/>
+                <a:chExt cx="2292976" cy="1237171"/>
+              </a:xfrm>
+            </p:grpSpPr>
+            <p:sp>
+              <p:nvSpPr>
+                <p:cNvPr id="40" name="Cloud 39"/>
+                <p:cNvSpPr/>
+                <p:nvPr/>
+              </p:nvSpPr>
+              <p:spPr>
+                <a:xfrm>
+                  <a:off x="2120884" y="188522"/>
+                  <a:ext cx="2292976" cy="1237171"/>
+                </a:xfrm>
+                <a:prstGeom prst="cloud">
+                  <a:avLst/>
+                </a:prstGeom>
+                <a:noFill/>
+              </p:spPr>
+              <p:style>
+                <a:lnRef idx="2">
+                  <a:schemeClr val="accent1">
+                    <a:shade val="50000"/>
+                  </a:schemeClr>
+                </a:lnRef>
+                <a:fillRef idx="1">
+                  <a:schemeClr val="accent1"/>
+                </a:fillRef>
+                <a:effectRef idx="0">
+                  <a:schemeClr val="accent1"/>
+                </a:effectRef>
+                <a:fontRef idx="minor">
+                  <a:schemeClr val="lt1"/>
+                </a:fontRef>
+              </p:style>
+              <p:txBody>
+                <a:bodyPr rtlCol="0" anchor="ctr"/>
+                <a:lstStyle/>
+                <a:p>
+                  <a:pPr algn="ctr"/>
+                  <a:endParaRPr lang="es-MX"/>
+                </a:p>
+              </p:txBody>
+            </p:sp>
+            <p:sp>
+              <p:nvSpPr>
+                <p:cNvPr id="46" name="TextBox 45"/>
+                <p:cNvSpPr txBox="1"/>
+                <p:nvPr/>
+              </p:nvSpPr>
+              <p:spPr>
+                <a:xfrm>
+                  <a:off x="2613332" y="290072"/>
+                  <a:ext cx="1741182" cy="923330"/>
+                </a:xfrm>
+                <a:prstGeom prst="rect">
+                  <a:avLst/>
+                </a:prstGeom>
+                <a:noFill/>
+              </p:spPr>
+              <p:txBody>
+                <a:bodyPr wrap="none" rtlCol="0">
+                  <a:spAutoFit/>
+                </a:bodyPr>
+                <a:lstStyle/>
+                <a:p>
+                  <a:r>
+                    <a:rPr lang="es-MX" dirty="0" smtClean="0"/>
+                    <a:t>Google Drive</a:t>
+                  </a:r>
+                </a:p>
+                <a:p>
+                  <a:r>
+                    <a:rPr lang="es-MX" dirty="0" smtClean="0"/>
+                    <a:t>Google Calendar</a:t>
+                  </a:r>
+                </a:p>
+                <a:p>
+                  <a:r>
+                    <a:rPr lang="es-MX" dirty="0" smtClean="0"/>
+                    <a:t>Dropbox</a:t>
+                  </a:r>
+                  <a:endParaRPr lang="es-MX" dirty="0"/>
+                </a:p>
+              </p:txBody>
+            </p:sp>
+          </p:grpSp>
+          <p:cxnSp>
+            <p:nvCxnSpPr>
+              <p:cNvPr id="65" name="Straight Arrow Connector 64"/>
+              <p:cNvCxnSpPr>
+                <a:stCxn id="7" idx="0"/>
+                <a:endCxn id="33" idx="1"/>
+              </p:cNvCxnSpPr>
+              <p:nvPr/>
+            </p:nvCxnSpPr>
+            <p:spPr>
+              <a:xfrm flipV="1">
+                <a:off x="2613334" y="1290410"/>
+                <a:ext cx="441936" cy="1169454"/>
+              </a:xfrm>
+              <a:prstGeom prst="straightConnector1">
+                <a:avLst/>
+              </a:prstGeom>
+              <a:ln>
+                <a:headEnd type="triangle"/>
+                <a:tailEnd type="triangle"/>
+              </a:ln>
+            </p:spPr>
+            <p:style>
+              <a:lnRef idx="1">
+                <a:schemeClr val="accent1"/>
+              </a:lnRef>
+              <a:fillRef idx="0">
+                <a:schemeClr val="accent1"/>
+              </a:fillRef>
+              <a:effectRef idx="0">
+                <a:schemeClr val="accent1"/>
+              </a:effectRef>
+              <a:fontRef idx="minor">
+                <a:schemeClr val="tx1"/>
+              </a:fontRef>
+            </p:style>
+          </p:cxnSp>
+          <p:cxnSp>
+            <p:nvCxnSpPr>
+              <p:cNvPr id="67" name="Straight Arrow Connector 66"/>
+              <p:cNvCxnSpPr>
+                <a:stCxn id="8" idx="0"/>
+              </p:cNvCxnSpPr>
+              <p:nvPr/>
+            </p:nvCxnSpPr>
+            <p:spPr>
+              <a:xfrm flipV="1">
+                <a:off x="6004951" y="1362301"/>
+                <a:ext cx="719406" cy="1097562"/>
+              </a:xfrm>
+              <a:prstGeom prst="straightConnector1">
+                <a:avLst/>
+              </a:prstGeom>
+              <a:ln>
+                <a:headEnd type="triangle"/>
+                <a:tailEnd type="triangle"/>
+              </a:ln>
+            </p:spPr>
+            <p:style>
+              <a:lnRef idx="1">
+                <a:schemeClr val="accent1"/>
+              </a:lnRef>
+              <a:fillRef idx="0">
+                <a:schemeClr val="accent1"/>
+              </a:fillRef>
+              <a:effectRef idx="0">
+                <a:schemeClr val="accent1"/>
+              </a:effectRef>
+              <a:fontRef idx="minor">
+                <a:schemeClr val="tx1"/>
+              </a:fontRef>
+            </p:style>
+          </p:cxnSp>
+          <p:cxnSp>
+            <p:nvCxnSpPr>
+              <p:cNvPr id="69" name="Straight Arrow Connector 68"/>
+              <p:cNvCxnSpPr>
+                <a:stCxn id="9" idx="0"/>
+              </p:cNvCxnSpPr>
+              <p:nvPr/>
+            </p:nvCxnSpPr>
+            <p:spPr>
+              <a:xfrm flipH="1" flipV="1">
+                <a:off x="8116444" y="1290410"/>
+                <a:ext cx="1302577" cy="1169453"/>
+              </a:xfrm>
+              <a:prstGeom prst="straightConnector1">
+                <a:avLst/>
+              </a:prstGeom>
+              <a:ln>
+                <a:headEnd type="triangle"/>
+                <a:tailEnd type="triangle"/>
+              </a:ln>
+            </p:spPr>
+            <p:style>
+              <a:lnRef idx="1">
+                <a:schemeClr val="accent1"/>
+              </a:lnRef>
+              <a:fillRef idx="0">
+                <a:schemeClr val="accent1"/>
+              </a:fillRef>
+              <a:effectRef idx="0">
+                <a:schemeClr val="accent1"/>
+              </a:effectRef>
+              <a:fontRef idx="minor">
+                <a:schemeClr val="tx1"/>
+              </a:fontRef>
+            </p:style>
+          </p:cxnSp>
+          <p:cxnSp>
+            <p:nvCxnSpPr>
+              <p:cNvPr id="3" name="Straight Arrow Connector 2"/>
+              <p:cNvCxnSpPr/>
+              <p:nvPr/>
+            </p:nvCxnSpPr>
+            <p:spPr>
+              <a:xfrm flipH="1">
+                <a:off x="3620865" y="3953814"/>
+                <a:ext cx="1373094" cy="0"/>
+              </a:xfrm>
+              <a:prstGeom prst="straightConnector1">
+                <a:avLst/>
+              </a:prstGeom>
+              <a:ln>
+                <a:tailEnd type="triangle"/>
+              </a:ln>
+            </p:spPr>
+            <p:style>
+              <a:lnRef idx="1">
+                <a:schemeClr val="accent1"/>
+              </a:lnRef>
+              <a:fillRef idx="0">
+                <a:schemeClr val="accent1"/>
+              </a:fillRef>
+              <a:effectRef idx="0">
+                <a:schemeClr val="accent1"/>
+              </a:effectRef>
+              <a:fontRef idx="minor">
+                <a:schemeClr val="tx1"/>
+              </a:fontRef>
+            </p:style>
+          </p:cxnSp>
+          <p:sp>
+            <p:nvSpPr>
+              <p:cNvPr id="24" name="TextBox 23"/>
+              <p:cNvSpPr txBox="1"/>
+              <p:nvPr/>
+            </p:nvSpPr>
+            <p:spPr>
+              <a:xfrm>
+                <a:off x="4010918" y="3909081"/>
+                <a:ext cx="558166" cy="307777"/>
+              </a:xfrm>
+              <a:prstGeom prst="rect">
+                <a:avLst/>
+              </a:prstGeom>
+              <a:noFill/>
+            </p:spPr>
+            <p:txBody>
+              <a:bodyPr wrap="none" rtlCol="0">
+                <a:spAutoFit/>
+              </a:bodyPr>
+              <a:lstStyle/>
+              <a:p>
+                <a:r>
+                  <a:rPr lang="es-MX" sz="1400" dirty="0" smtClean="0"/>
+                  <a:t>JSON</a:t>
+                </a:r>
+                <a:endParaRPr lang="es-MX" sz="1400" dirty="0"/>
+              </a:p>
+            </p:txBody>
+          </p:sp>
+          <p:cxnSp>
+            <p:nvCxnSpPr>
+              <p:cNvPr id="25" name="Straight Arrow Connector 24"/>
+              <p:cNvCxnSpPr/>
+              <p:nvPr/>
+            </p:nvCxnSpPr>
+            <p:spPr>
+              <a:xfrm>
+                <a:off x="7015942" y="4062969"/>
+                <a:ext cx="1392087" cy="0"/>
+              </a:xfrm>
+              <a:prstGeom prst="straightConnector1">
+                <a:avLst/>
+              </a:prstGeom>
+              <a:ln>
+                <a:tailEnd type="triangle"/>
+              </a:ln>
+            </p:spPr>
+            <p:style>
+              <a:lnRef idx="1">
+                <a:schemeClr val="accent1"/>
+              </a:lnRef>
+              <a:fillRef idx="0">
+                <a:schemeClr val="accent1"/>
+              </a:fillRef>
+              <a:effectRef idx="0">
+                <a:schemeClr val="accent1"/>
+              </a:effectRef>
+              <a:fontRef idx="minor">
+                <a:schemeClr val="tx1"/>
+              </a:fontRef>
+            </p:style>
+          </p:cxnSp>
+          <p:sp>
+            <p:nvSpPr>
+              <p:cNvPr id="30" name="TextBox 29"/>
+              <p:cNvSpPr txBox="1"/>
+              <p:nvPr/>
+            </p:nvSpPr>
+            <p:spPr>
+              <a:xfrm>
+                <a:off x="7254596" y="3991620"/>
+                <a:ext cx="558166" cy="307777"/>
+              </a:xfrm>
+              <a:prstGeom prst="rect">
+                <a:avLst/>
+              </a:prstGeom>
+              <a:noFill/>
+            </p:spPr>
+            <p:txBody>
+              <a:bodyPr wrap="none" rtlCol="0">
+                <a:spAutoFit/>
+              </a:bodyPr>
+              <a:lstStyle/>
+              <a:p>
+                <a:r>
+                  <a:rPr lang="es-MX" sz="1400" dirty="0" smtClean="0"/>
+                  <a:t>JSON</a:t>
+                </a:r>
+                <a:endParaRPr lang="es-MX" sz="1400" dirty="0"/>
+              </a:p>
+            </p:txBody>
+          </p:sp>
+          <p:sp>
+            <p:nvSpPr>
+              <p:cNvPr id="4" name="Flowchart: Multidocument 3"/>
+              <p:cNvSpPr/>
+              <p:nvPr/>
+            </p:nvSpPr>
+            <p:spPr>
+              <a:xfrm>
+                <a:off x="3077390" y="5396246"/>
+                <a:ext cx="820957" cy="669702"/>
+              </a:xfrm>
+              <a:prstGeom prst="flowChartMultidocument">
+                <a:avLst/>
+              </a:prstGeom>
+            </p:spPr>
+            <p:style>
+              <a:lnRef idx="2">
+                <a:schemeClr val="accent1">
+                  <a:shade val="50000"/>
+                </a:schemeClr>
+              </a:lnRef>
+              <a:fillRef idx="1">
+                <a:schemeClr val="accent1"/>
+              </a:fillRef>
+              <a:effectRef idx="0">
+                <a:schemeClr val="accent1"/>
+              </a:effectRef>
+              <a:fontRef idx="minor">
+                <a:schemeClr val="lt1"/>
+              </a:fontRef>
+            </p:style>
+            <p:txBody>
+              <a:bodyPr rtlCol="0" anchor="ctr"/>
+              <a:lstStyle/>
+              <a:p>
+                <a:pPr algn="ctr"/>
+                <a:r>
+                  <a:rPr lang="es-MX" dirty="0" smtClean="0"/>
+                  <a:t>File Store</a:t>
+                </a:r>
+                <a:endParaRPr lang="es-MX" dirty="0"/>
+              </a:p>
+            </p:txBody>
+          </p:sp>
+          <p:cxnSp>
+            <p:nvCxnSpPr>
+              <p:cNvPr id="14" name="Straight Arrow Connector 13"/>
+              <p:cNvCxnSpPr>
+                <a:stCxn id="4" idx="0"/>
+              </p:cNvCxnSpPr>
+              <p:nvPr/>
+            </p:nvCxnSpPr>
+            <p:spPr>
+              <a:xfrm flipH="1" flipV="1">
+                <a:off x="3034009" y="4711521"/>
+                <a:ext cx="510338" cy="684725"/>
+              </a:xfrm>
+              <a:prstGeom prst="straightConnector1">
+                <a:avLst/>
+              </a:prstGeom>
+              <a:ln>
+                <a:headEnd type="triangle"/>
+                <a:tailEnd type="triangle"/>
+              </a:ln>
+            </p:spPr>
+            <p:style>
+              <a:lnRef idx="1">
+                <a:schemeClr val="accent1"/>
+              </a:lnRef>
+              <a:fillRef idx="0">
+                <a:schemeClr val="accent1"/>
+              </a:fillRef>
+              <a:effectRef idx="0">
+                <a:schemeClr val="accent1"/>
+              </a:effectRef>
+              <a:fontRef idx="minor">
+                <a:schemeClr val="tx1"/>
+              </a:fontRef>
+            </p:style>
+          </p:cxnSp>
+        </p:grpSp>
+        <p:sp>
+          <p:nvSpPr>
+            <p:cNvPr id="35" name="TextBox 34"/>
+            <p:cNvSpPr txBox="1"/>
+            <p:nvPr/>
+          </p:nvSpPr>
+          <p:spPr>
+            <a:xfrm>
+              <a:off x="6980104" y="3178001"/>
+              <a:ext cx="1468672" cy="430887"/>
+            </a:xfrm>
+            <a:prstGeom prst="rect">
+              <a:avLst/>
+            </a:prstGeom>
+            <a:noFill/>
+          </p:spPr>
+          <p:txBody>
+            <a:bodyPr wrap="none" rtlCol="0">
+              <a:spAutoFit/>
+            </a:bodyPr>
+            <a:lstStyle/>
+            <a:p>
+              <a:pPr algn="ctr"/>
+              <a:r>
+                <a:rPr lang="es-MX" sz="1100" dirty="0" smtClean="0"/>
+                <a:t>HTTP </a:t>
+              </a:r>
+              <a:endParaRPr lang="es-MX" sz="1100" dirty="0" smtClean="0"/>
+            </a:p>
+            <a:p>
+              <a:pPr algn="ctr"/>
+              <a:r>
+                <a:rPr lang="es-MX" sz="1100" dirty="0" smtClean="0"/>
+                <a:t>POST,GET,PUT,DELETE</a:t>
+              </a:r>
+              <a:endParaRPr lang="es-MX" sz="1100" dirty="0"/>
+            </a:p>
+          </p:txBody>
+        </p:sp>
+      </p:grpSp>
+    </p:spTree>
+    <p:extLst>
+      <p:ext uri="{BB962C8B-B14F-4D97-AF65-F5344CB8AC3E}">
+        <p14:creationId xmlns:p14="http://schemas.microsoft.com/office/powerpoint/2010/main" val="1647885790"/>
+      </p:ext>
+    </p:extLst>
+  </p:cSld>
+  <p:clrMapOvr>
+    <a:masterClrMapping/>
+  </p:clrMapOvr>
+</p:sld>
+</file>
+
+<file path=ppt/slides/slide2.xml><?xml version="1.0" encoding="utf-8"?>
+<p:sld xmlns:a="http://schemas.openxmlformats.org/drawingml/2006/main" xmlns:r="http://schemas.openxmlformats.org/officeDocument/2006/relationships" xmlns:p="http://schemas.openxmlformats.org/presentationml/2006/main">
+  <p:cSld>
+    <p:spTree>
+      <p:nvGrpSpPr>
+        <p:cNvPr id="1" name=""/>
+        <p:cNvGrpSpPr/>
+        <p:nvPr/>
+      </p:nvGrpSpPr>
+      <p:grpSpPr>
+        <a:xfrm>
+          <a:off x="0" y="0"/>
+          <a:ext cx="0" cy="0"/>
+          <a:chOff x="0" y="0"/>
+          <a:chExt cx="0" cy="0"/>
+        </a:xfrm>
+      </p:grpSpPr>
+      <p:grpSp>
+        <p:nvGrpSpPr>
+          <p:cNvPr id="35" name="Group 34"/>
+          <p:cNvGrpSpPr/>
+          <p:nvPr/>
+        </p:nvGrpSpPr>
+        <p:grpSpPr>
+          <a:xfrm>
+            <a:off x="691400" y="978794"/>
+            <a:ext cx="4750517" cy="2688331"/>
+            <a:chOff x="691400" y="978794"/>
+            <a:chExt cx="4750517" cy="2688331"/>
           </a:xfrm>
         </p:grpSpPr>
         <p:sp>
           <p:nvSpPr>
-            <p:cNvPr id="5" name="Can 4"/>
+            <p:cNvPr id="4" name="Rectangle 3"/>
             <p:cNvSpPr/>
             <p:nvPr/>
           </p:nvSpPr>
           <p:spPr>
             <a:xfrm>
-              <a:off x="2123935" y="5254579"/>
-              <a:ext cx="978795" cy="953036"/>
-            </a:xfrm>
-            <a:prstGeom prst="can">
-              <a:avLst/>
-            </a:prstGeom>
-          </p:spPr>
-          <p:style>
-            <a:lnRef idx="2">
-              <a:schemeClr val="accent1">
-                <a:shade val="50000"/>
-              </a:schemeClr>
-            </a:lnRef>
-            <a:fillRef idx="1">
-              <a:schemeClr val="accent1"/>
-            </a:fillRef>
-            <a:effectRef idx="0">
-              <a:schemeClr val="accent1"/>
-            </a:effectRef>
-            <a:fontRef idx="minor">
-              <a:schemeClr val="lt1"/>
-            </a:fontRef>
-          </p:style>
-          <p:txBody>
-            <a:bodyPr rtlCol="0" anchor="ctr"/>
-            <a:lstStyle/>
-            <a:p>
-              <a:pPr algn="ctr"/>
-              <a:r>
-                <a:rPr lang="es-MX" dirty="0" err="1" smtClean="0"/>
-                <a:t>Sqlite</a:t>
-              </a:r>
-              <a:r>
-                <a:rPr lang="es-MX" dirty="0" smtClean="0"/>
-                <a:t> </a:t>
-              </a:r>
-              <a:r>
-                <a:rPr lang="es-MX" dirty="0" err="1" smtClean="0"/>
-                <a:t>Db</a:t>
-              </a:r>
-              <a:endParaRPr lang="es-MX" dirty="0"/>
-            </a:p>
-          </p:txBody>
-        </p:sp>
-        <p:sp>
-          <p:nvSpPr>
-            <p:cNvPr id="6" name="Can 5"/>
-            <p:cNvSpPr/>
-            <p:nvPr/>
-          </p:nvSpPr>
-          <p:spPr>
-            <a:xfrm>
-              <a:off x="5517233" y="5254579"/>
-              <a:ext cx="978795" cy="953036"/>
-            </a:xfrm>
-            <a:prstGeom prst="can">
-              <a:avLst/>
-            </a:prstGeom>
-          </p:spPr>
-          <p:style>
-            <a:lnRef idx="2">
-              <a:schemeClr val="accent1">
-                <a:shade val="50000"/>
-              </a:schemeClr>
-            </a:lnRef>
-            <a:fillRef idx="1">
-              <a:schemeClr val="accent1"/>
-            </a:fillRef>
-            <a:effectRef idx="0">
-              <a:schemeClr val="accent1"/>
-            </a:effectRef>
-            <a:fontRef idx="minor">
-              <a:schemeClr val="lt1"/>
-            </a:fontRef>
-          </p:style>
-          <p:txBody>
-            <a:bodyPr rtlCol="0" anchor="ctr"/>
-            <a:lstStyle/>
-            <a:p>
-              <a:pPr algn="ctr"/>
-              <a:r>
-                <a:rPr lang="es-MX" dirty="0" err="1" smtClean="0"/>
-                <a:t>MySql</a:t>
-              </a:r>
-              <a:r>
-                <a:rPr lang="es-MX" dirty="0" smtClean="0"/>
-                <a:t> </a:t>
-              </a:r>
-              <a:r>
-                <a:rPr lang="es-MX" dirty="0" err="1" smtClean="0"/>
-                <a:t>Db</a:t>
-              </a:r>
-              <a:endParaRPr lang="es-MX" dirty="0"/>
-            </a:p>
-          </p:txBody>
-        </p:sp>
-        <p:sp>
-          <p:nvSpPr>
-            <p:cNvPr id="7" name="Rectangle 6"/>
-            <p:cNvSpPr/>
-            <p:nvPr/>
-          </p:nvSpPr>
-          <p:spPr>
-            <a:xfrm>
-              <a:off x="1602342" y="2459864"/>
-              <a:ext cx="2021983" cy="2251657"/>
-            </a:xfrm>
-            <a:prstGeom prst="rect">
-              <a:avLst/>
-            </a:prstGeom>
-          </p:spPr>
-          <p:style>
-            <a:lnRef idx="2">
-              <a:schemeClr val="accent1">
-                <a:shade val="50000"/>
-              </a:schemeClr>
-            </a:lnRef>
-            <a:fillRef idx="1">
-              <a:schemeClr val="accent1"/>
-            </a:fillRef>
-            <a:effectRef idx="0">
-              <a:schemeClr val="accent1"/>
-            </a:effectRef>
-            <a:fontRef idx="minor">
-              <a:schemeClr val="lt1"/>
-            </a:fontRef>
-          </p:style>
-          <p:txBody>
-            <a:bodyPr rtlCol="0" anchor="ctr"/>
-            <a:lstStyle/>
-            <a:p>
-              <a:pPr algn="ctr"/>
-              <a:r>
-                <a:rPr lang="es-MX" b="1" dirty="0" smtClean="0"/>
-                <a:t>Mobile </a:t>
-              </a:r>
-              <a:r>
-                <a:rPr lang="es-MX" b="1" dirty="0" err="1" smtClean="0"/>
-                <a:t>Application</a:t>
-              </a:r>
-              <a:endParaRPr lang="es-MX" b="1" dirty="0" smtClean="0"/>
-            </a:p>
-            <a:p>
-              <a:pPr algn="ctr"/>
-              <a:endParaRPr lang="es-MX" dirty="0"/>
-            </a:p>
-            <a:p>
-              <a:pPr algn="ctr"/>
-              <a:r>
-                <a:rPr lang="es-MX" dirty="0" smtClean="0"/>
-                <a:t>-GPS</a:t>
-              </a:r>
-            </a:p>
-            <a:p>
-              <a:pPr algn="ctr"/>
-              <a:r>
-                <a:rPr lang="es-MX" dirty="0" smtClean="0"/>
-                <a:t>-</a:t>
-              </a:r>
-              <a:r>
-                <a:rPr lang="es-MX" dirty="0" err="1" smtClean="0"/>
-                <a:t>Finger</a:t>
-              </a:r>
-              <a:r>
-                <a:rPr lang="es-MX" dirty="0" smtClean="0"/>
-                <a:t> </a:t>
-              </a:r>
-              <a:r>
-                <a:rPr lang="es-MX" dirty="0" err="1" smtClean="0"/>
-                <a:t>Print</a:t>
-              </a:r>
-              <a:r>
-                <a:rPr lang="es-MX" dirty="0" smtClean="0"/>
-                <a:t> API</a:t>
-              </a:r>
-              <a:endParaRPr lang="es-MX" dirty="0"/>
-            </a:p>
-          </p:txBody>
-        </p:sp>
-        <p:sp>
-          <p:nvSpPr>
-            <p:cNvPr id="8" name="Rectangle 7"/>
-            <p:cNvSpPr/>
-            <p:nvPr/>
-          </p:nvSpPr>
-          <p:spPr>
-            <a:xfrm>
-              <a:off x="4993959" y="2459863"/>
-              <a:ext cx="2021983" cy="2251658"/>
+              <a:off x="1481070" y="978794"/>
+              <a:ext cx="1184857" cy="605307"/>
             </a:xfrm>
             <a:prstGeom prst="rect">
               <a:avLst/>
@@ -3208,36 +4109,22 @@
               <a:pPr algn="ctr"/>
               <a:r>
                 <a:rPr lang="es-MX" dirty="0" smtClean="0"/>
-                <a:t>Node.js</a:t>
+                <a:t>CLIENT</a:t>
               </a:r>
-            </a:p>
-            <a:p>
-              <a:pPr algn="ctr"/>
-              <a:r>
-                <a:rPr lang="es-MX" dirty="0" err="1" smtClean="0"/>
-                <a:t>RESTful</a:t>
-              </a:r>
-              <a:r>
-                <a:rPr lang="es-MX" dirty="0" smtClean="0"/>
-                <a:t> API</a:t>
-              </a:r>
-            </a:p>
-            <a:p>
-              <a:pPr algn="ctr"/>
               <a:endParaRPr lang="es-MX" dirty="0"/>
             </a:p>
           </p:txBody>
         </p:sp>
         <p:sp>
           <p:nvSpPr>
-            <p:cNvPr id="9" name="Rectangle 8"/>
+            <p:cNvPr id="6" name="Rectangle 5"/>
             <p:cNvSpPr/>
             <p:nvPr/>
           </p:nvSpPr>
           <p:spPr>
             <a:xfrm>
-              <a:off x="8238580" y="2459863"/>
-              <a:ext cx="2021983" cy="2251658"/>
+              <a:off x="4041819" y="978794"/>
+              <a:ext cx="1184857" cy="605307"/>
             </a:xfrm>
             <a:prstGeom prst="rect">
               <a:avLst/>
@@ -3266,41 +4153,28 @@
               <a:pPr algn="ctr"/>
               <a:r>
                 <a:rPr lang="es-MX" dirty="0" smtClean="0"/>
-                <a:t>Web </a:t>
+                <a:t>SERVER</a:t>
               </a:r>
-              <a:r>
-                <a:rPr lang="es-MX" dirty="0" err="1" smtClean="0"/>
-                <a:t>Application</a:t>
-              </a:r>
-              <a:endParaRPr lang="es-MX" dirty="0" smtClean="0"/>
-            </a:p>
-            <a:p>
-              <a:pPr algn="ctr"/>
               <a:endParaRPr lang="es-MX" dirty="0"/>
             </a:p>
           </p:txBody>
         </p:sp>
         <p:cxnSp>
           <p:nvCxnSpPr>
-            <p:cNvPr id="11" name="Straight Arrow Connector 10"/>
+            <p:cNvPr id="8" name="Straight Connector 7"/>
             <p:cNvCxnSpPr>
-              <a:stCxn id="5" idx="1"/>
-              <a:endCxn id="7" idx="2"/>
+              <a:stCxn id="4" idx="2"/>
             </p:cNvCxnSpPr>
             <p:nvPr/>
           </p:nvCxnSpPr>
           <p:spPr>
-            <a:xfrm flipV="1">
-              <a:off x="2613333" y="4711521"/>
-              <a:ext cx="1" cy="543058"/>
+            <a:xfrm flipH="1">
+              <a:off x="2073496" y="1584101"/>
+              <a:ext cx="3" cy="2083024"/>
             </a:xfrm>
-            <a:prstGeom prst="straightConnector1">
+            <a:prstGeom prst="line">
               <a:avLst/>
             </a:prstGeom>
-            <a:ln>
-              <a:headEnd type="triangle"/>
-              <a:tailEnd type="triangle"/>
-            </a:ln>
           </p:spPr>
           <p:style>
             <a:lnRef idx="1">
@@ -3319,25 +4193,20 @@
         </p:cxnSp>
         <p:cxnSp>
           <p:nvCxnSpPr>
-            <p:cNvPr id="15" name="Straight Arrow Connector 14"/>
+            <p:cNvPr id="10" name="Straight Connector 9"/>
             <p:cNvCxnSpPr>
-              <a:stCxn id="8" idx="3"/>
-              <a:endCxn id="9" idx="1"/>
+              <a:stCxn id="6" idx="2"/>
             </p:cNvCxnSpPr>
             <p:nvPr/>
           </p:nvCxnSpPr>
           <p:spPr>
-            <a:xfrm>
-              <a:off x="7015942" y="3585692"/>
-              <a:ext cx="1222638" cy="0"/>
+            <a:xfrm flipH="1">
+              <a:off x="4634244" y="1584101"/>
+              <a:ext cx="4" cy="2083024"/>
             </a:xfrm>
-            <a:prstGeom prst="straightConnector1">
+            <a:prstGeom prst="line">
               <a:avLst/>
             </a:prstGeom>
-            <a:ln>
-              <a:headEnd type="triangle"/>
-              <a:tailEnd type="triangle"/>
-            </a:ln>
           </p:spPr>
           <p:style>
             <a:lnRef idx="1">
@@ -3356,417 +4225,14 @@
         </p:cxnSp>
         <p:cxnSp>
           <p:nvCxnSpPr>
-            <p:cNvPr id="18" name="Straight Arrow Connector 17"/>
-            <p:cNvCxnSpPr>
-              <a:stCxn id="6" idx="1"/>
-              <a:endCxn id="8" idx="2"/>
-            </p:cNvCxnSpPr>
-            <p:nvPr/>
-          </p:nvCxnSpPr>
-          <p:spPr>
-            <a:xfrm flipH="1" flipV="1">
-              <a:off x="6004951" y="4711521"/>
-              <a:ext cx="1680" cy="543058"/>
-            </a:xfrm>
-            <a:prstGeom prst="straightConnector1">
-              <a:avLst/>
-            </a:prstGeom>
-            <a:ln>
-              <a:headEnd type="triangle"/>
-              <a:tailEnd type="triangle"/>
-            </a:ln>
-          </p:spPr>
-          <p:style>
-            <a:lnRef idx="1">
-              <a:schemeClr val="accent1"/>
-            </a:lnRef>
-            <a:fillRef idx="0">
-              <a:schemeClr val="accent1"/>
-            </a:fillRef>
-            <a:effectRef idx="0">
-              <a:schemeClr val="accent1"/>
-            </a:effectRef>
-            <a:fontRef idx="minor">
-              <a:schemeClr val="tx1"/>
-            </a:fontRef>
-          </p:style>
-        </p:cxnSp>
-        <p:cxnSp>
-          <p:nvCxnSpPr>
-            <p:cNvPr id="20" name="Straight Arrow Connector 19"/>
-            <p:cNvCxnSpPr>
-              <a:stCxn id="7" idx="3"/>
-              <a:endCxn id="8" idx="1"/>
-            </p:cNvCxnSpPr>
-            <p:nvPr/>
-          </p:nvCxnSpPr>
-          <p:spPr>
-            <a:xfrm flipV="1">
-              <a:off x="3624325" y="3585692"/>
-              <a:ext cx="1369634" cy="1"/>
-            </a:xfrm>
-            <a:prstGeom prst="straightConnector1">
-              <a:avLst/>
-            </a:prstGeom>
-            <a:ln>
-              <a:headEnd type="triangle"/>
-              <a:tailEnd type="triangle"/>
-            </a:ln>
-          </p:spPr>
-          <p:style>
-            <a:lnRef idx="1">
-              <a:schemeClr val="accent1"/>
-            </a:lnRef>
-            <a:fillRef idx="0">
-              <a:schemeClr val="accent1"/>
-            </a:fillRef>
-            <a:effectRef idx="0">
-              <a:schemeClr val="accent1"/>
-            </a:effectRef>
-            <a:fontRef idx="minor">
-              <a:schemeClr val="tx1"/>
-            </a:fontRef>
-          </p:style>
-        </p:cxnSp>
-        <p:sp>
-          <p:nvSpPr>
-            <p:cNvPr id="21" name="TextBox 20"/>
-            <p:cNvSpPr txBox="1"/>
-            <p:nvPr/>
-          </p:nvSpPr>
-          <p:spPr>
-            <a:xfrm>
-              <a:off x="3655259" y="3277915"/>
-              <a:ext cx="1338700" cy="307777"/>
-            </a:xfrm>
-            <a:prstGeom prst="rect">
-              <a:avLst/>
-            </a:prstGeom>
-            <a:noFill/>
-          </p:spPr>
-          <p:txBody>
-            <a:bodyPr wrap="none" rtlCol="0">
-              <a:spAutoFit/>
-            </a:bodyPr>
-            <a:lstStyle/>
-            <a:p>
-              <a:r>
-                <a:rPr lang="es-MX" sz="1400" dirty="0" smtClean="0"/>
-                <a:t>HTTP POST/GET</a:t>
-              </a:r>
-              <a:endParaRPr lang="es-MX" sz="1400" dirty="0"/>
-            </a:p>
-          </p:txBody>
-        </p:sp>
-        <p:grpSp>
-          <p:nvGrpSpPr>
-            <p:cNvPr id="52" name="Group 51"/>
-            <p:cNvGrpSpPr/>
-            <p:nvPr/>
-          </p:nvGrpSpPr>
-          <p:grpSpPr>
-            <a:xfrm>
-              <a:off x="2489674" y="303944"/>
-              <a:ext cx="1131191" cy="987518"/>
-              <a:chOff x="7157431" y="229049"/>
-              <a:chExt cx="1131191" cy="987518"/>
-            </a:xfrm>
-          </p:grpSpPr>
-          <p:sp>
-            <p:nvSpPr>
-              <p:cNvPr id="33" name="Cloud 32"/>
-              <p:cNvSpPr/>
-              <p:nvPr/>
-            </p:nvSpPr>
-            <p:spPr>
-              <a:xfrm>
-                <a:off x="7157431" y="229049"/>
-                <a:ext cx="1131191" cy="987518"/>
-              </a:xfrm>
-              <a:prstGeom prst="cloud">
-                <a:avLst/>
-              </a:prstGeom>
-              <a:noFill/>
-            </p:spPr>
-            <p:style>
-              <a:lnRef idx="2">
-                <a:schemeClr val="accent1">
-                  <a:shade val="50000"/>
-                </a:schemeClr>
-              </a:lnRef>
-              <a:fillRef idx="1">
-                <a:schemeClr val="accent1"/>
-              </a:fillRef>
-              <a:effectRef idx="0">
-                <a:schemeClr val="accent1"/>
-              </a:effectRef>
-              <a:fontRef idx="minor">
-                <a:schemeClr val="lt1"/>
-              </a:fontRef>
-            </p:style>
-            <p:txBody>
-              <a:bodyPr rtlCol="0" anchor="ctr"/>
-              <a:lstStyle/>
-              <a:p>
-                <a:pPr algn="ctr"/>
-                <a:endParaRPr lang="es-MX"/>
-              </a:p>
-            </p:txBody>
-          </p:sp>
-          <p:sp>
-            <p:nvSpPr>
-              <p:cNvPr id="31" name="TextBox 30"/>
-              <p:cNvSpPr txBox="1"/>
-              <p:nvPr/>
-            </p:nvSpPr>
-            <p:spPr>
-              <a:xfrm>
-                <a:off x="7397260" y="344668"/>
-                <a:ext cx="609013" cy="646331"/>
-              </a:xfrm>
-              <a:prstGeom prst="rect">
-                <a:avLst/>
-              </a:prstGeom>
-              <a:noFill/>
-            </p:spPr>
-            <p:txBody>
-              <a:bodyPr wrap="none" rtlCol="0">
-                <a:spAutoFit/>
-              </a:bodyPr>
-              <a:lstStyle/>
-              <a:p>
-                <a:r>
-                  <a:rPr lang="es-MX" dirty="0" smtClean="0"/>
-                  <a:t>FCM</a:t>
-                </a:r>
-              </a:p>
-              <a:p>
-                <a:r>
-                  <a:rPr lang="es-MX" dirty="0" smtClean="0"/>
-                  <a:t>APN</a:t>
-                </a:r>
-                <a:endParaRPr lang="es-MX" dirty="0"/>
-              </a:p>
-            </p:txBody>
-          </p:sp>
-        </p:grpSp>
-        <p:grpSp>
-          <p:nvGrpSpPr>
-            <p:cNvPr id="53" name="Group 52"/>
-            <p:cNvGrpSpPr/>
-            <p:nvPr/>
-          </p:nvGrpSpPr>
-          <p:grpSpPr>
-            <a:xfrm>
-              <a:off x="6004950" y="235871"/>
-              <a:ext cx="2292976" cy="1237171"/>
-              <a:chOff x="2120884" y="188522"/>
-              <a:chExt cx="2292976" cy="1237171"/>
-            </a:xfrm>
-          </p:grpSpPr>
-          <p:sp>
-            <p:nvSpPr>
-              <p:cNvPr id="40" name="Cloud 39"/>
-              <p:cNvSpPr/>
-              <p:nvPr/>
-            </p:nvSpPr>
-            <p:spPr>
-              <a:xfrm>
-                <a:off x="2120884" y="188522"/>
-                <a:ext cx="2292976" cy="1237171"/>
-              </a:xfrm>
-              <a:prstGeom prst="cloud">
-                <a:avLst/>
-              </a:prstGeom>
-              <a:noFill/>
-            </p:spPr>
-            <p:style>
-              <a:lnRef idx="2">
-                <a:schemeClr val="accent1">
-                  <a:shade val="50000"/>
-                </a:schemeClr>
-              </a:lnRef>
-              <a:fillRef idx="1">
-                <a:schemeClr val="accent1"/>
-              </a:fillRef>
-              <a:effectRef idx="0">
-                <a:schemeClr val="accent1"/>
-              </a:effectRef>
-              <a:fontRef idx="minor">
-                <a:schemeClr val="lt1"/>
-              </a:fontRef>
-            </p:style>
-            <p:txBody>
-              <a:bodyPr rtlCol="0" anchor="ctr"/>
-              <a:lstStyle/>
-              <a:p>
-                <a:pPr algn="ctr"/>
-                <a:endParaRPr lang="es-MX"/>
-              </a:p>
-            </p:txBody>
-          </p:sp>
-          <p:sp>
-            <p:nvSpPr>
-              <p:cNvPr id="46" name="TextBox 45"/>
-              <p:cNvSpPr txBox="1"/>
-              <p:nvPr/>
-            </p:nvSpPr>
-            <p:spPr>
-              <a:xfrm>
-                <a:off x="2613332" y="290072"/>
-                <a:ext cx="1741182" cy="923330"/>
-              </a:xfrm>
-              <a:prstGeom prst="rect">
-                <a:avLst/>
-              </a:prstGeom>
-              <a:noFill/>
-            </p:spPr>
-            <p:txBody>
-              <a:bodyPr wrap="none" rtlCol="0">
-                <a:spAutoFit/>
-              </a:bodyPr>
-              <a:lstStyle/>
-              <a:p>
-                <a:r>
-                  <a:rPr lang="es-MX" dirty="0" smtClean="0"/>
-                  <a:t>Google Drive</a:t>
-                </a:r>
-              </a:p>
-              <a:p>
-                <a:r>
-                  <a:rPr lang="es-MX" dirty="0" smtClean="0"/>
-                  <a:t>Google Calendar</a:t>
-                </a:r>
-              </a:p>
-              <a:p>
-                <a:r>
-                  <a:rPr lang="es-MX" dirty="0" smtClean="0"/>
-                  <a:t>Dropbox</a:t>
-                </a:r>
-                <a:endParaRPr lang="es-MX" dirty="0"/>
-              </a:p>
-            </p:txBody>
-          </p:sp>
-        </p:grpSp>
-        <p:cxnSp>
-          <p:nvCxnSpPr>
-            <p:cNvPr id="65" name="Straight Arrow Connector 64"/>
-            <p:cNvCxnSpPr>
-              <a:stCxn id="7" idx="0"/>
-              <a:endCxn id="33" idx="1"/>
-            </p:cNvCxnSpPr>
-            <p:nvPr/>
-          </p:nvCxnSpPr>
-          <p:spPr>
-            <a:xfrm flipV="1">
-              <a:off x="2613334" y="1290410"/>
-              <a:ext cx="441936" cy="1169454"/>
-            </a:xfrm>
-            <a:prstGeom prst="straightConnector1">
-              <a:avLst/>
-            </a:prstGeom>
-            <a:ln>
-              <a:headEnd type="triangle"/>
-              <a:tailEnd type="triangle"/>
-            </a:ln>
-          </p:spPr>
-          <p:style>
-            <a:lnRef idx="1">
-              <a:schemeClr val="accent1"/>
-            </a:lnRef>
-            <a:fillRef idx="0">
-              <a:schemeClr val="accent1"/>
-            </a:fillRef>
-            <a:effectRef idx="0">
-              <a:schemeClr val="accent1"/>
-            </a:effectRef>
-            <a:fontRef idx="minor">
-              <a:schemeClr val="tx1"/>
-            </a:fontRef>
-          </p:style>
-        </p:cxnSp>
-        <p:cxnSp>
-          <p:nvCxnSpPr>
-            <p:cNvPr id="67" name="Straight Arrow Connector 66"/>
-            <p:cNvCxnSpPr>
-              <a:stCxn id="8" idx="0"/>
-            </p:cNvCxnSpPr>
-            <p:nvPr/>
-          </p:nvCxnSpPr>
-          <p:spPr>
-            <a:xfrm flipV="1">
-              <a:off x="6004951" y="1362301"/>
-              <a:ext cx="719406" cy="1097562"/>
-            </a:xfrm>
-            <a:prstGeom prst="straightConnector1">
-              <a:avLst/>
-            </a:prstGeom>
-            <a:ln>
-              <a:headEnd type="triangle"/>
-              <a:tailEnd type="triangle"/>
-            </a:ln>
-          </p:spPr>
-          <p:style>
-            <a:lnRef idx="1">
-              <a:schemeClr val="accent1"/>
-            </a:lnRef>
-            <a:fillRef idx="0">
-              <a:schemeClr val="accent1"/>
-            </a:fillRef>
-            <a:effectRef idx="0">
-              <a:schemeClr val="accent1"/>
-            </a:effectRef>
-            <a:fontRef idx="minor">
-              <a:schemeClr val="tx1"/>
-            </a:fontRef>
-          </p:style>
-        </p:cxnSp>
-        <p:cxnSp>
-          <p:nvCxnSpPr>
-            <p:cNvPr id="69" name="Straight Arrow Connector 68"/>
-            <p:cNvCxnSpPr>
-              <a:stCxn id="9" idx="0"/>
-            </p:cNvCxnSpPr>
-            <p:nvPr/>
-          </p:nvCxnSpPr>
-          <p:spPr>
-            <a:xfrm flipH="1" flipV="1">
-              <a:off x="7946995" y="1290410"/>
-              <a:ext cx="1302577" cy="1169453"/>
-            </a:xfrm>
-            <a:prstGeom prst="straightConnector1">
-              <a:avLst/>
-            </a:prstGeom>
-            <a:ln>
-              <a:headEnd type="triangle"/>
-              <a:tailEnd type="triangle"/>
-            </a:ln>
-          </p:spPr>
-          <p:style>
-            <a:lnRef idx="1">
-              <a:schemeClr val="accent1"/>
-            </a:lnRef>
-            <a:fillRef idx="0">
-              <a:schemeClr val="accent1"/>
-            </a:fillRef>
-            <a:effectRef idx="0">
-              <a:schemeClr val="accent1"/>
-            </a:effectRef>
-            <a:fontRef idx="minor">
-              <a:schemeClr val="tx1"/>
-            </a:fontRef>
-          </p:style>
-        </p:cxnSp>
-        <p:cxnSp>
-          <p:nvCxnSpPr>
-            <p:cNvPr id="3" name="Straight Arrow Connector 2"/>
+            <p:cNvPr id="12" name="Straight Arrow Connector 11"/>
             <p:cNvCxnSpPr/>
             <p:nvPr/>
           </p:nvCxnSpPr>
           <p:spPr>
-            <a:xfrm flipH="1">
-              <a:off x="3620865" y="3953814"/>
-              <a:ext cx="1373094" cy="0"/>
+            <a:xfrm>
+              <a:off x="2446986" y="1931831"/>
+              <a:ext cx="1815921" cy="0"/>
             </a:xfrm>
             <a:prstGeom prst="straightConnector1">
               <a:avLst/>
@@ -3792,14 +4258,14 @@
         </p:cxnSp>
         <p:sp>
           <p:nvSpPr>
-            <p:cNvPr id="24" name="TextBox 23"/>
+            <p:cNvPr id="15" name="TextBox 14"/>
             <p:cNvSpPr txBox="1"/>
             <p:nvPr/>
           </p:nvSpPr>
           <p:spPr>
             <a:xfrm>
-              <a:off x="4010918" y="3909081"/>
-              <a:ext cx="558166" cy="307777"/>
+              <a:off x="2730644" y="1593277"/>
+              <a:ext cx="1531188" cy="338554"/>
             </a:xfrm>
             <a:prstGeom prst="rect">
               <a:avLst/>
@@ -3813,23 +4279,404 @@
             <a:lstStyle/>
             <a:p>
               <a:r>
-                <a:rPr lang="es-MX" sz="1400" dirty="0" smtClean="0"/>
-                <a:t>JSON</a:t>
+                <a:rPr lang="es-MX" sz="800" dirty="0" smtClean="0"/>
+                <a:t>POST/</a:t>
               </a:r>
-              <a:endParaRPr lang="es-MX" sz="1400" dirty="0"/>
+              <a:r>
+                <a:rPr lang="es-MX" sz="800" dirty="0" err="1" smtClean="0"/>
+                <a:t>login</a:t>
+              </a:r>
+              <a:endParaRPr lang="es-MX" sz="800" dirty="0" smtClean="0"/>
+            </a:p>
+            <a:p>
+              <a:r>
+                <a:rPr lang="es-MX" sz="800" dirty="0" err="1" smtClean="0"/>
+                <a:t>username</a:t>
+              </a:r>
+              <a:r>
+                <a:rPr lang="es-MX" sz="800" dirty="0" smtClean="0"/>
+                <a:t>=“xx”&amp;</a:t>
+              </a:r>
+              <a:r>
+                <a:rPr lang="es-MX" sz="800" dirty="0" err="1" smtClean="0"/>
+                <a:t>password</a:t>
+              </a:r>
+              <a:r>
+                <a:rPr lang="es-MX" sz="800" dirty="0" smtClean="0"/>
+                <a:t>=“xx”</a:t>
+              </a:r>
+              <a:endParaRPr lang="es-MX" sz="800" dirty="0"/>
             </a:p>
           </p:txBody>
         </p:sp>
         <p:cxnSp>
           <p:nvCxnSpPr>
-            <p:cNvPr id="25" name="Straight Arrow Connector 24"/>
+            <p:cNvPr id="20" name="Straight Arrow Connector 19"/>
             <p:cNvCxnSpPr/>
             <p:nvPr/>
           </p:nvCxnSpPr>
           <p:spPr>
             <a:xfrm>
-              <a:off x="7015942" y="4062969"/>
-              <a:ext cx="1117079" cy="0"/>
+              <a:off x="2445911" y="2849719"/>
+              <a:ext cx="1815921" cy="0"/>
+            </a:xfrm>
+            <a:prstGeom prst="straightConnector1">
+              <a:avLst/>
+            </a:prstGeom>
+            <a:ln>
+              <a:tailEnd type="triangle"/>
+            </a:ln>
+          </p:spPr>
+          <p:style>
+            <a:lnRef idx="1">
+              <a:schemeClr val="accent1"/>
+            </a:lnRef>
+            <a:fillRef idx="0">
+              <a:schemeClr val="accent1"/>
+            </a:fillRef>
+            <a:effectRef idx="0">
+              <a:schemeClr val="accent1"/>
+            </a:effectRef>
+            <a:fontRef idx="minor">
+              <a:schemeClr val="tx1"/>
+            </a:fontRef>
+          </p:style>
+        </p:cxnSp>
+        <p:cxnSp>
+          <p:nvCxnSpPr>
+            <p:cNvPr id="22" name="Straight Arrow Connector 21"/>
+            <p:cNvCxnSpPr/>
+            <p:nvPr/>
+          </p:nvCxnSpPr>
+          <p:spPr>
+            <a:xfrm flipH="1">
+              <a:off x="2445911" y="2371725"/>
+              <a:ext cx="1815921" cy="0"/>
+            </a:xfrm>
+            <a:prstGeom prst="straightConnector1">
+              <a:avLst/>
+            </a:prstGeom>
+            <a:ln>
+              <a:tailEnd type="triangle"/>
+            </a:ln>
+          </p:spPr>
+          <p:style>
+            <a:lnRef idx="1">
+              <a:schemeClr val="accent1"/>
+            </a:lnRef>
+            <a:fillRef idx="0">
+              <a:schemeClr val="accent1"/>
+            </a:fillRef>
+            <a:effectRef idx="0">
+              <a:schemeClr val="accent1"/>
+            </a:effectRef>
+            <a:fontRef idx="minor">
+              <a:schemeClr val="tx1"/>
+            </a:fontRef>
+          </p:style>
+        </p:cxnSp>
+        <p:sp>
+          <p:nvSpPr>
+            <p:cNvPr id="23" name="TextBox 22"/>
+            <p:cNvSpPr txBox="1"/>
+            <p:nvPr/>
+          </p:nvSpPr>
+          <p:spPr>
+            <a:xfrm>
+              <a:off x="2665927" y="2070108"/>
+              <a:ext cx="1301959" cy="338554"/>
+            </a:xfrm>
+            <a:prstGeom prst="rect">
+              <a:avLst/>
+            </a:prstGeom>
+            <a:noFill/>
+          </p:spPr>
+          <p:txBody>
+            <a:bodyPr wrap="none" rtlCol="0">
+              <a:spAutoFit/>
+            </a:bodyPr>
+            <a:lstStyle/>
+            <a:p>
+              <a:r>
+                <a:rPr lang="es-MX" sz="800" dirty="0" smtClean="0"/>
+                <a:t>HTTP 200 (OK)</a:t>
+              </a:r>
+            </a:p>
+            <a:p>
+              <a:r>
+                <a:rPr lang="es-MX" sz="800" dirty="0" err="1" smtClean="0"/>
+                <a:t>Token</a:t>
+              </a:r>
+              <a:r>
+                <a:rPr lang="es-MX" sz="800" dirty="0" smtClean="0"/>
+                <a:t>=“</a:t>
+              </a:r>
+              <a:r>
+                <a:rPr lang="es-MX" sz="800" dirty="0" err="1" smtClean="0"/>
+                <a:t>xxxx</a:t>
+              </a:r>
+              <a:r>
+                <a:rPr lang="es-MX" sz="800" dirty="0" smtClean="0"/>
+                <a:t>” (</a:t>
+              </a:r>
+              <a:r>
+                <a:rPr lang="es-MX" sz="800" dirty="0" err="1" smtClean="0"/>
+                <a:t>Private</a:t>
+              </a:r>
+              <a:r>
+                <a:rPr lang="es-MX" sz="800" dirty="0" smtClean="0"/>
+                <a:t> </a:t>
+              </a:r>
+              <a:r>
+                <a:rPr lang="es-MX" sz="800" dirty="0" err="1" smtClean="0"/>
+                <a:t>key</a:t>
+              </a:r>
+              <a:r>
+                <a:rPr lang="es-MX" sz="800" dirty="0" smtClean="0"/>
+                <a:t>)</a:t>
+              </a:r>
+              <a:endParaRPr lang="es-MX" sz="800" dirty="0"/>
+            </a:p>
+          </p:txBody>
+        </p:sp>
+        <p:sp>
+          <p:nvSpPr>
+            <p:cNvPr id="24" name="TextBox 23"/>
+            <p:cNvSpPr txBox="1"/>
+            <p:nvPr/>
+          </p:nvSpPr>
+          <p:spPr>
+            <a:xfrm>
+              <a:off x="2559163" y="2510003"/>
+              <a:ext cx="1931939" cy="338554"/>
+            </a:xfrm>
+            <a:prstGeom prst="rect">
+              <a:avLst/>
+            </a:prstGeom>
+            <a:noFill/>
+          </p:spPr>
+          <p:txBody>
+            <a:bodyPr wrap="none" rtlCol="0">
+              <a:spAutoFit/>
+            </a:bodyPr>
+            <a:lstStyle/>
+            <a:p>
+              <a:r>
+                <a:rPr lang="es-MX" sz="800" dirty="0" smtClean="0"/>
+                <a:t>GET/data</a:t>
+              </a:r>
+            </a:p>
+            <a:p>
+              <a:r>
+                <a:rPr lang="es-MX" sz="800" dirty="0" err="1" smtClean="0"/>
+                <a:t>Token</a:t>
+              </a:r>
+              <a:r>
+                <a:rPr lang="es-MX" sz="800" dirty="0" smtClean="0"/>
+                <a:t>=“xx”&amp;</a:t>
+              </a:r>
+              <a:r>
+                <a:rPr lang="es-MX" sz="800" dirty="0" err="1" smtClean="0"/>
+                <a:t>request</a:t>
+              </a:r>
+              <a:r>
+                <a:rPr lang="es-MX" sz="800" dirty="0" smtClean="0"/>
+                <a:t>=“”&amp;</a:t>
+              </a:r>
+              <a:r>
+                <a:rPr lang="es-MX" sz="800" dirty="0" err="1" smtClean="0"/>
+                <a:t>publicKey</a:t>
+              </a:r>
+              <a:r>
+                <a:rPr lang="es-MX" sz="800" dirty="0" smtClean="0"/>
+                <a:t>=“xx”</a:t>
+              </a:r>
+              <a:endParaRPr lang="es-MX" sz="800" dirty="0"/>
+            </a:p>
+          </p:txBody>
+        </p:sp>
+        <p:sp>
+          <p:nvSpPr>
+            <p:cNvPr id="25" name="Right Arrow 24"/>
+            <p:cNvSpPr/>
+            <p:nvPr/>
+          </p:nvSpPr>
+          <p:spPr>
+            <a:xfrm>
+              <a:off x="1411309" y="2659725"/>
+              <a:ext cx="519045" cy="379988"/>
+            </a:xfrm>
+            <a:prstGeom prst="rightArrow">
+              <a:avLst/>
+            </a:prstGeom>
+          </p:spPr>
+          <p:style>
+            <a:lnRef idx="2">
+              <a:schemeClr val="accent1">
+                <a:shade val="50000"/>
+              </a:schemeClr>
+            </a:lnRef>
+            <a:fillRef idx="1">
+              <a:schemeClr val="accent1"/>
+            </a:fillRef>
+            <a:effectRef idx="0">
+              <a:schemeClr val="accent1"/>
+            </a:effectRef>
+            <a:fontRef idx="minor">
+              <a:schemeClr val="lt1"/>
+            </a:fontRef>
+          </p:style>
+          <p:txBody>
+            <a:bodyPr rtlCol="0" anchor="ctr"/>
+            <a:lstStyle/>
+            <a:p>
+              <a:pPr algn="ctr"/>
+              <a:endParaRPr lang="es-MX"/>
+            </a:p>
+          </p:txBody>
+        </p:sp>
+        <p:sp>
+          <p:nvSpPr>
+            <p:cNvPr id="26" name="TextBox 25"/>
+            <p:cNvSpPr txBox="1"/>
+            <p:nvPr/>
+          </p:nvSpPr>
+          <p:spPr>
+            <a:xfrm>
+              <a:off x="691400" y="2439220"/>
+              <a:ext cx="1439818" cy="215444"/>
+            </a:xfrm>
+            <a:prstGeom prst="rect">
+              <a:avLst/>
+            </a:prstGeom>
+            <a:noFill/>
+          </p:spPr>
+          <p:txBody>
+            <a:bodyPr wrap="none" rtlCol="0">
+              <a:spAutoFit/>
+            </a:bodyPr>
+            <a:lstStyle/>
+            <a:p>
+              <a:r>
+                <a:rPr lang="es-MX" sz="800" dirty="0" err="1" smtClean="0"/>
+                <a:t>Encrypt</a:t>
+              </a:r>
+              <a:r>
+                <a:rPr lang="es-MX" sz="800" dirty="0" smtClean="0"/>
+                <a:t> data </a:t>
+              </a:r>
+              <a:r>
+                <a:rPr lang="es-MX" sz="800" dirty="0" err="1" smtClean="0"/>
+                <a:t>using</a:t>
+              </a:r>
+              <a:r>
+                <a:rPr lang="es-MX" sz="800" dirty="0" smtClean="0"/>
+                <a:t> </a:t>
+              </a:r>
+              <a:r>
+                <a:rPr lang="es-MX" sz="800" dirty="0" err="1" smtClean="0"/>
+                <a:t>private</a:t>
+              </a:r>
+              <a:r>
+                <a:rPr lang="es-MX" sz="800" dirty="0" smtClean="0"/>
+                <a:t> </a:t>
+              </a:r>
+              <a:r>
+                <a:rPr lang="es-MX" sz="800" dirty="0" err="1" smtClean="0"/>
+                <a:t>key</a:t>
+              </a:r>
+              <a:endParaRPr lang="es-MX" sz="800" dirty="0"/>
+            </a:p>
+          </p:txBody>
+        </p:sp>
+        <p:sp>
+          <p:nvSpPr>
+            <p:cNvPr id="27" name="Right Arrow 26"/>
+            <p:cNvSpPr/>
+            <p:nvPr/>
+          </p:nvSpPr>
+          <p:spPr>
+            <a:xfrm flipH="1">
+              <a:off x="4777393" y="2894496"/>
+              <a:ext cx="500400" cy="379988"/>
+            </a:xfrm>
+            <a:prstGeom prst="rightArrow">
+              <a:avLst/>
+            </a:prstGeom>
+          </p:spPr>
+          <p:style>
+            <a:lnRef idx="2">
+              <a:schemeClr val="accent1">
+                <a:shade val="50000"/>
+              </a:schemeClr>
+            </a:lnRef>
+            <a:fillRef idx="1">
+              <a:schemeClr val="accent1"/>
+            </a:fillRef>
+            <a:effectRef idx="0">
+              <a:schemeClr val="accent1"/>
+            </a:effectRef>
+            <a:fontRef idx="minor">
+              <a:schemeClr val="lt1"/>
+            </a:fontRef>
+          </p:style>
+          <p:txBody>
+            <a:bodyPr rtlCol="0" anchor="ctr"/>
+            <a:lstStyle/>
+            <a:p>
+              <a:pPr algn="ctr"/>
+              <a:endParaRPr lang="es-MX"/>
+            </a:p>
+          </p:txBody>
+        </p:sp>
+        <p:sp>
+          <p:nvSpPr>
+            <p:cNvPr id="28" name="TextBox 27"/>
+            <p:cNvSpPr txBox="1"/>
+            <p:nvPr/>
+          </p:nvSpPr>
+          <p:spPr>
+            <a:xfrm>
+              <a:off x="4747496" y="2679052"/>
+              <a:ext cx="694421" cy="215444"/>
+            </a:xfrm>
+            <a:prstGeom prst="rect">
+              <a:avLst/>
+            </a:prstGeom>
+            <a:noFill/>
+          </p:spPr>
+          <p:txBody>
+            <a:bodyPr wrap="none" rtlCol="0">
+              <a:spAutoFit/>
+            </a:bodyPr>
+            <a:lstStyle/>
+            <a:p>
+              <a:r>
+                <a:rPr lang="es-MX" sz="800" dirty="0" err="1" smtClean="0"/>
+                <a:t>Verify</a:t>
+              </a:r>
+              <a:r>
+                <a:rPr lang="es-MX" sz="800" dirty="0" smtClean="0"/>
+                <a:t> </a:t>
+              </a:r>
+              <a:r>
+                <a:rPr lang="es-MX" sz="800" dirty="0" err="1" smtClean="0"/>
+                <a:t>token</a:t>
+              </a:r>
+              <a:endParaRPr lang="es-MX" sz="800" dirty="0"/>
+            </a:p>
+          </p:txBody>
+        </p:sp>
+        <p:cxnSp>
+          <p:nvCxnSpPr>
+            <p:cNvPr id="29" name="Straight Arrow Connector 28"/>
+            <p:cNvCxnSpPr/>
+            <p:nvPr/>
+          </p:nvCxnSpPr>
+          <p:spPr>
+            <a:xfrm flipH="1">
+              <a:off x="2445911" y="3312584"/>
+              <a:ext cx="1815921" cy="0"/>
             </a:xfrm>
             <a:prstGeom prst="straightConnector1">
               <a:avLst/>
@@ -3861,8 +4708,8 @@
           </p:nvSpPr>
           <p:spPr>
             <a:xfrm>
-              <a:off x="7254596" y="3991620"/>
-              <a:ext cx="558166" cy="307777"/>
+              <a:off x="2661472" y="2996010"/>
+              <a:ext cx="780983" cy="338554"/>
             </a:xfrm>
             <a:prstGeom prst="rect">
               <a:avLst/>
@@ -3876,40 +4723,16 @@
             <a:lstStyle/>
             <a:p>
               <a:r>
-                <a:rPr lang="es-MX" sz="1400" dirty="0" smtClean="0"/>
-                <a:t>JSON</a:t>
+                <a:rPr lang="es-MX" sz="800" dirty="0" smtClean="0"/>
+                <a:t>HTTP 200 (OK)</a:t>
               </a:r>
-              <a:endParaRPr lang="es-MX" sz="1400" dirty="0"/>
             </a:p>
-          </p:txBody>
-        </p:sp>
-        <p:sp>
-          <p:nvSpPr>
-            <p:cNvPr id="32" name="TextBox 31"/>
-            <p:cNvSpPr txBox="1"/>
-            <p:nvPr/>
-          </p:nvSpPr>
-          <p:spPr>
-            <a:xfrm>
-              <a:off x="6957911" y="3277914"/>
-              <a:ext cx="1338700" cy="307777"/>
-            </a:xfrm>
-            <a:prstGeom prst="rect">
-              <a:avLst/>
-            </a:prstGeom>
-            <a:noFill/>
-          </p:spPr>
-          <p:txBody>
-            <a:bodyPr wrap="none" rtlCol="0">
-              <a:spAutoFit/>
-            </a:bodyPr>
-            <a:lstStyle/>
             <a:p>
               <a:r>
-                <a:rPr lang="es-MX" sz="1400" dirty="0" smtClean="0"/>
-                <a:t>HTTP POST/GET</a:t>
+                <a:rPr lang="es-MX" sz="800" dirty="0" smtClean="0"/>
+                <a:t>{data}</a:t>
               </a:r>
-              <a:endParaRPr lang="es-MX" sz="1400" dirty="0"/>
+              <a:endParaRPr lang="es-MX" sz="800" dirty="0"/>
             </a:p>
           </p:txBody>
         </p:sp>
@@ -3917,7 +4740,7 @@
     </p:spTree>
     <p:extLst>
       <p:ext uri="{BB962C8B-B14F-4D97-AF65-F5344CB8AC3E}">
-        <p14:creationId xmlns:p14="http://schemas.microsoft.com/office/powerpoint/2010/main" val="1647885790"/>
+        <p14:creationId xmlns:p14="http://schemas.microsoft.com/office/powerpoint/2010/main" val="2769475183"/>
       </p:ext>
     </p:extLst>
   </p:cSld>
